--- a/Präsentationen/StatusupdateKW34/UpdateKW34.pptx
+++ b/Präsentationen/StatusupdateKW34/UpdateKW34.pptx
@@ -5,11 +5,13 @@
     <p:sldMasterId id="2147483779" r:id="rId6"/>
   </p:sldMasterIdLst>
   <p:notesMasterIdLst>
-    <p:notesMasterId r:id="rId9"/>
+    <p:notesMasterId r:id="rId11"/>
   </p:notesMasterIdLst>
   <p:sldIdLst>
     <p:sldId id="275" r:id="rId7"/>
     <p:sldId id="335" r:id="rId8"/>
+    <p:sldId id="333" r:id="rId9"/>
+    <p:sldId id="334" r:id="rId10"/>
   </p:sldIdLst>
   <p:sldSz cx="12192000" cy="6858000"/>
   <p:notesSz cx="6794500" cy="9931400"/>
@@ -146,13 +148,16 @@
             <p14:sldId id="275"/>
           </p14:sldIdLst>
         </p14:section>
-        <p14:section name="Inhalt" id="{9143C095-ADCB-48C6-BBF9-4399ACA44AAA}">
+        <p14:section name="Personenerkennung" id="{9143C095-ADCB-48C6-BBF9-4399ACA44AAA}">
           <p14:sldIdLst>
             <p14:sldId id="335"/>
           </p14:sldIdLst>
         </p14:section>
-        <p14:section name="Text und Bild" id="{8B1E546A-C040-4A00-B2B4-B7A78D2D67B9}">
-          <p14:sldIdLst/>
+        <p14:section name="Sprachverarbeitung" id="{8B1E546A-C040-4A00-B2B4-B7A78D2D67B9}">
+          <p14:sldIdLst>
+            <p14:sldId id="333"/>
+            <p14:sldId id="334"/>
+          </p14:sldIdLst>
         </p14:section>
       </p14:sectionLst>
     </p:ext>
@@ -281,7 +286,7 @@
           <a:p>
             <a:fld id="{B2255D82-92B1-4EBA-AF01-9D30101EF318}" type="datetimeFigureOut">
               <a:rPr lang="de-DE" smtClean="0"/>
-              <a:t>20.08.2020</a:t>
+              <a:t>21.08.20</a:t>
             </a:fld>
             <a:endParaRPr lang="de-DE"/>
           </a:p>
@@ -3754,7 +3759,7 @@
           <a:graphicData uri="http://schemas.openxmlformats.org/presentationml/2006/ole">
             <mc:AlternateContent xmlns:mc="http://schemas.openxmlformats.org/markup-compatibility/2006">
               <mc:Choice xmlns:v="urn:schemas-microsoft-com:vml" Requires="v">
-                <p:oleObj spid="_x0000_s11348" name="think-cell Folie" r:id="rId4" imgW="270" imgH="270" progId="TCLayout.ActiveDocument.1">
+                <p:oleObj spid="_x0000_s11350" name="think-cell Folie" r:id="rId4" imgW="270" imgH="270" progId="TCLayout.ActiveDocument.1">
                   <p:embed/>
                 </p:oleObj>
               </mc:Choice>
@@ -6482,7 +6487,7 @@
           <a:graphicData uri="http://schemas.openxmlformats.org/presentationml/2006/ole">
             <mc:AlternateContent xmlns:mc="http://schemas.openxmlformats.org/markup-compatibility/2006">
               <mc:Choice xmlns:v="urn:schemas-microsoft-com:vml" Requires="v">
-                <p:oleObj spid="_x0000_s12372" name="think-cell Folie" r:id="rId4" imgW="270" imgH="270" progId="TCLayout.ActiveDocument.1">
+                <p:oleObj spid="_x0000_s12374" name="think-cell Folie" r:id="rId4" imgW="270" imgH="270" progId="TCLayout.ActiveDocument.1">
                   <p:embed/>
                 </p:oleObj>
               </mc:Choice>
@@ -9321,6 +9326,1094 @@
     <p:extLst>
       <p:ext uri="{BB962C8B-B14F-4D97-AF65-F5344CB8AC3E}">
         <p14:creationId xmlns:p14="http://schemas.microsoft.com/office/powerpoint/2010/main" val="12271115"/>
+      </p:ext>
+    </p:extLst>
+  </p:cSld>
+  <p:clrMapOvr>
+    <a:masterClrMapping/>
+  </p:clrMapOvr>
+</p:sld>
+</file>
+
+<file path=ppt/slides/slide3.xml><?xml version="1.0" encoding="utf-8"?>
+<p:sld xmlns:a="http://schemas.openxmlformats.org/drawingml/2006/main" xmlns:r="http://schemas.openxmlformats.org/officeDocument/2006/relationships" xmlns:p="http://schemas.openxmlformats.org/presentationml/2006/main">
+  <p:cSld>
+    <p:spTree>
+      <p:nvGrpSpPr>
+        <p:cNvPr id="1" name=""/>
+        <p:cNvGrpSpPr/>
+        <p:nvPr/>
+      </p:nvGrpSpPr>
+      <p:grpSpPr>
+        <a:xfrm>
+          <a:off x="0" y="0"/>
+          <a:ext cx="0" cy="0"/>
+          <a:chOff x="0" y="0"/>
+          <a:chExt cx="0" cy="0"/>
+        </a:xfrm>
+      </p:grpSpPr>
+      <p:sp>
+        <p:nvSpPr>
+          <p:cNvPr id="4" name="Inhaltsplatzhalter 3"/>
+          <p:cNvSpPr>
+            <a:spLocks noGrp="1"/>
+          </p:cNvSpPr>
+          <p:nvPr>
+            <p:ph sz="quarter" idx="13"/>
+          </p:nvPr>
+        </p:nvSpPr>
+        <p:spPr>
+          <a:xfrm>
+            <a:off x="360000" y="1051512"/>
+            <a:ext cx="11469600" cy="5473019"/>
+          </a:xfrm>
+        </p:spPr>
+        <p:txBody>
+          <a:bodyPr/>
+          <a:lstStyle/>
+          <a:p>
+            <a:pPr marL="0" indent="0">
+              <a:buNone/>
+            </a:pPr>
+            <a:endParaRPr lang="de-DE" dirty="0"/>
+          </a:p>
+          <a:p>
+            <a:pPr marL="0" indent="0">
+              <a:buNone/>
+            </a:pPr>
+            <a:endParaRPr lang="de-DE" dirty="0"/>
+          </a:p>
+          <a:p>
+            <a:pPr marL="0" indent="0">
+              <a:buNone/>
+            </a:pPr>
+            <a:endParaRPr lang="de-DE" dirty="0"/>
+          </a:p>
+          <a:p>
+            <a:pPr marL="0" indent="0">
+              <a:buNone/>
+            </a:pPr>
+            <a:endParaRPr lang="de-DE" dirty="0"/>
+          </a:p>
+          <a:p>
+            <a:pPr marL="0" indent="0">
+              <a:buNone/>
+            </a:pPr>
+            <a:endParaRPr lang="de-DE" dirty="0"/>
+          </a:p>
+          <a:p>
+            <a:pPr marL="0" indent="0">
+              <a:buNone/>
+            </a:pPr>
+            <a:endParaRPr lang="de-DE" dirty="0"/>
+          </a:p>
+          <a:p>
+            <a:pPr marL="0" indent="0">
+              <a:buNone/>
+            </a:pPr>
+            <a:endParaRPr lang="de-DE" dirty="0"/>
+          </a:p>
+          <a:p>
+            <a:pPr lvl="1"/>
+            <a:endParaRPr lang="de-DE" dirty="0"/>
+          </a:p>
+          <a:p>
+            <a:pPr lvl="1"/>
+            <a:endParaRPr lang="de-DE" dirty="0"/>
+          </a:p>
+        </p:txBody>
+      </p:sp>
+      <p:sp>
+        <p:nvSpPr>
+          <p:cNvPr id="2" name="Titel 1"/>
+          <p:cNvSpPr>
+            <a:spLocks noGrp="1"/>
+          </p:cNvSpPr>
+          <p:nvPr>
+            <p:ph type="title"/>
+          </p:nvPr>
+        </p:nvSpPr>
+        <p:spPr/>
+        <p:txBody>
+          <a:bodyPr/>
+          <a:lstStyle/>
+          <a:p>
+            <a:r>
+              <a:rPr lang="de-DE" dirty="0"/>
+              <a:t>Sprachverarbeitung</a:t>
+            </a:r>
+          </a:p>
+        </p:txBody>
+      </p:sp>
+      <p:sp>
+        <p:nvSpPr>
+          <p:cNvPr id="6" name="Fußzeilenplatzhalter 5"/>
+          <p:cNvSpPr>
+            <a:spLocks noGrp="1"/>
+          </p:cNvSpPr>
+          <p:nvPr>
+            <p:ph type="ftr" sz="quarter" idx="3"/>
+          </p:nvPr>
+        </p:nvSpPr>
+        <p:spPr/>
+        <p:txBody>
+          <a:bodyPr/>
+          <a:lstStyle/>
+          <a:p>
+            <a:r>
+              <a:rPr lang="de-DE" dirty="0"/>
+              <a:t>Statusupdate Masterarbeit</a:t>
+            </a:r>
+          </a:p>
+        </p:txBody>
+      </p:sp>
+      <p:sp>
+        <p:nvSpPr>
+          <p:cNvPr id="7" name="Foliennummernplatzhalter 6"/>
+          <p:cNvSpPr>
+            <a:spLocks noGrp="1"/>
+          </p:cNvSpPr>
+          <p:nvPr>
+            <p:ph type="sldNum" sz="quarter" idx="4"/>
+          </p:nvPr>
+        </p:nvSpPr>
+        <p:spPr/>
+        <p:txBody>
+          <a:bodyPr/>
+          <a:lstStyle/>
+          <a:p>
+            <a:fld id="{369A084B-84B6-4F15-B0F5-CCDC4176846B}" type="slidenum">
+              <a:rPr lang="de-DE" smtClean="0"/>
+              <a:pPr/>
+              <a:t>3</a:t>
+            </a:fld>
+            <a:endParaRPr lang="de-DE" dirty="0"/>
+          </a:p>
+        </p:txBody>
+      </p:sp>
+      <p:sp>
+        <p:nvSpPr>
+          <p:cNvPr id="9" name="Datumsplatzhalter 8"/>
+          <p:cNvSpPr>
+            <a:spLocks noGrp="1"/>
+          </p:cNvSpPr>
+          <p:nvPr>
+            <p:ph type="dt" sz="half" idx="2"/>
+          </p:nvPr>
+        </p:nvSpPr>
+        <p:spPr/>
+        <p:txBody>
+          <a:bodyPr/>
+          <a:lstStyle/>
+          <a:p>
+            <a:r>
+              <a:rPr lang="de-DE"/>
+              <a:t>10.2019</a:t>
+            </a:r>
+            <a:endParaRPr lang="de-DE" dirty="0"/>
+          </a:p>
+        </p:txBody>
+      </p:sp>
+      <p:sp>
+        <p:nvSpPr>
+          <p:cNvPr id="30" name="Inhaltsplatzhalter 3">
+            <a:extLst>
+              <a:ext uri="{FF2B5EF4-FFF2-40B4-BE49-F238E27FC236}">
+                <a16:creationId xmlns:a16="http://schemas.microsoft.com/office/drawing/2014/main" id="{BDE1F74B-F5E3-A54E-AF42-508BF4648D83}"/>
+              </a:ext>
+            </a:extLst>
+          </p:cNvPr>
+          <p:cNvSpPr txBox="1">
+            <a:spLocks/>
+          </p:cNvSpPr>
+          <p:nvPr/>
+        </p:nvSpPr>
+        <p:spPr>
+          <a:xfrm>
+            <a:off x="360000" y="1051511"/>
+            <a:ext cx="11469600" cy="5473019"/>
+          </a:xfrm>
+          <a:prstGeom prst="rect">
+            <a:avLst/>
+          </a:prstGeom>
+        </p:spPr>
+        <p:txBody>
+          <a:bodyPr vert="horz" lIns="0" tIns="0" rIns="0" bIns="0" rtlCol="0">
+            <a:noAutofit/>
+          </a:bodyPr>
+          <a:lstStyle>
+            <a:lvl1pPr marL="358775" indent="-358775" algn="l" rtl="0" eaLnBrk="1" fontAlgn="base" hangingPunct="1">
+              <a:lnSpc>
+                <a:spcPct val="100000"/>
+              </a:lnSpc>
+              <a:spcBef>
+                <a:spcPts val="600"/>
+              </a:spcBef>
+              <a:spcAft>
+                <a:spcPts val="200"/>
+              </a:spcAft>
+              <a:buClr>
+                <a:schemeClr val="tx2"/>
+              </a:buClr>
+              <a:buFont typeface="Wingdings" pitchFamily="2" charset="2"/>
+              <a:buChar char=""/>
+              <a:defRPr b="1" kern="1200">
+                <a:solidFill>
+                  <a:schemeClr val="tx1"/>
+                </a:solidFill>
+                <a:latin typeface="+mn-lt"/>
+                <a:ea typeface="+mn-ea"/>
+                <a:cs typeface="+mn-cs"/>
+              </a:defRPr>
+            </a:lvl1pPr>
+            <a:lvl2pPr marL="715963" indent="-357188" algn="l" rtl="0" eaLnBrk="1" fontAlgn="base" hangingPunct="1">
+              <a:lnSpc>
+                <a:spcPct val="100000"/>
+              </a:lnSpc>
+              <a:spcBef>
+                <a:spcPts val="600"/>
+              </a:spcBef>
+              <a:spcAft>
+                <a:spcPts val="200"/>
+              </a:spcAft>
+              <a:buClr>
+                <a:schemeClr val="tx2"/>
+              </a:buClr>
+              <a:buFont typeface="Wingdings 3" pitchFamily="18" charset="2"/>
+              <a:buChar char=""/>
+              <a:defRPr kern="1200">
+                <a:solidFill>
+                  <a:schemeClr val="tx1"/>
+                </a:solidFill>
+                <a:latin typeface="+mn-lt"/>
+                <a:ea typeface="+mn-ea"/>
+                <a:cs typeface="+mn-cs"/>
+              </a:defRPr>
+            </a:lvl2pPr>
+            <a:lvl3pPr marL="1074738" indent="-358775" algn="l" rtl="0" eaLnBrk="1" fontAlgn="base" hangingPunct="1">
+              <a:lnSpc>
+                <a:spcPct val="100000"/>
+              </a:lnSpc>
+              <a:spcBef>
+                <a:spcPts val="600"/>
+              </a:spcBef>
+              <a:spcAft>
+                <a:spcPts val="200"/>
+              </a:spcAft>
+              <a:buClr>
+                <a:schemeClr val="tx2"/>
+              </a:buClr>
+              <a:buFont typeface="Wingdings" pitchFamily="2" charset="2"/>
+              <a:buChar char="§"/>
+              <a:tabLst>
+                <a:tab pos="1522413" algn="l"/>
+              </a:tabLst>
+              <a:defRPr sz="1600" kern="1200">
+                <a:solidFill>
+                  <a:schemeClr val="tx1"/>
+                </a:solidFill>
+                <a:latin typeface="+mn-lt"/>
+                <a:ea typeface="+mn-ea"/>
+                <a:cs typeface="+mn-cs"/>
+              </a:defRPr>
+            </a:lvl3pPr>
+            <a:lvl4pPr marL="1431925" indent="-357188" algn="l" rtl="0" eaLnBrk="1" fontAlgn="base" hangingPunct="1">
+              <a:lnSpc>
+                <a:spcPct val="100000"/>
+              </a:lnSpc>
+              <a:spcBef>
+                <a:spcPts val="600"/>
+              </a:spcBef>
+              <a:spcAft>
+                <a:spcPts val="200"/>
+              </a:spcAft>
+              <a:buClr>
+                <a:schemeClr val="tx2"/>
+              </a:buClr>
+              <a:buFont typeface="Arial" charset="0"/>
+              <a:buChar char="–"/>
+              <a:defRPr sz="1400" kern="1200">
+                <a:solidFill>
+                  <a:schemeClr val="tx1"/>
+                </a:solidFill>
+                <a:latin typeface="+mn-lt"/>
+                <a:ea typeface="+mn-ea"/>
+                <a:cs typeface="+mn-cs"/>
+              </a:defRPr>
+            </a:lvl4pPr>
+            <a:lvl5pPr marL="1790700" indent="-358775" algn="l" rtl="0" eaLnBrk="1" fontAlgn="base" hangingPunct="1">
+              <a:lnSpc>
+                <a:spcPct val="100000"/>
+              </a:lnSpc>
+              <a:spcBef>
+                <a:spcPts val="600"/>
+              </a:spcBef>
+              <a:spcAft>
+                <a:spcPts val="200"/>
+              </a:spcAft>
+              <a:buClr>
+                <a:schemeClr val="tx2"/>
+              </a:buClr>
+              <a:buFont typeface="Arial" charset="0"/>
+              <a:buChar char="•"/>
+              <a:defRPr sz="1200" kern="1200">
+                <a:solidFill>
+                  <a:schemeClr val="tx1"/>
+                </a:solidFill>
+                <a:latin typeface="+mn-lt"/>
+                <a:ea typeface="+mn-ea"/>
+                <a:cs typeface="+mn-cs"/>
+              </a:defRPr>
+            </a:lvl5pPr>
+            <a:lvl6pPr marL="3094970" indent="-281361" algn="l" defTabSz="1125444" rtl="0" eaLnBrk="1" latinLnBrk="0" hangingPunct="1">
+              <a:lnSpc>
+                <a:spcPct val="110000"/>
+              </a:lnSpc>
+              <a:spcBef>
+                <a:spcPts val="862"/>
+              </a:spcBef>
+              <a:buClr>
+                <a:schemeClr val="tx2"/>
+              </a:buClr>
+              <a:buFont typeface="Arial" pitchFamily="34" charset="0"/>
+              <a:buChar char="•"/>
+              <a:defRPr sz="1477" kern="1200">
+                <a:solidFill>
+                  <a:schemeClr val="tx1"/>
+                </a:solidFill>
+                <a:latin typeface="+mn-lt"/>
+                <a:ea typeface="+mn-ea"/>
+                <a:cs typeface="+mn-cs"/>
+              </a:defRPr>
+            </a:lvl6pPr>
+            <a:lvl7pPr marL="3657691" indent="-281361" algn="l" defTabSz="1125444" rtl="0" eaLnBrk="1" latinLnBrk="0" hangingPunct="1">
+              <a:spcBef>
+                <a:spcPct val="20000"/>
+              </a:spcBef>
+              <a:buClr>
+                <a:schemeClr val="accent1"/>
+              </a:buClr>
+              <a:buFont typeface="Arial" pitchFamily="34" charset="0"/>
+              <a:buChar char="•"/>
+              <a:defRPr sz="1477" kern="1200">
+                <a:solidFill>
+                  <a:schemeClr val="tx1"/>
+                </a:solidFill>
+                <a:latin typeface="+mn-lt"/>
+                <a:ea typeface="+mn-ea"/>
+                <a:cs typeface="+mn-cs"/>
+              </a:defRPr>
+            </a:lvl7pPr>
+            <a:lvl8pPr marL="4220413" indent="-281361" algn="l" defTabSz="1125444" rtl="0" eaLnBrk="1" latinLnBrk="0" hangingPunct="1">
+              <a:spcBef>
+                <a:spcPct val="20000"/>
+              </a:spcBef>
+              <a:buClr>
+                <a:schemeClr val="accent1"/>
+              </a:buClr>
+              <a:buFont typeface="Arial" pitchFamily="34" charset="0"/>
+              <a:buChar char="•"/>
+              <a:defRPr sz="1477" kern="1200">
+                <a:solidFill>
+                  <a:schemeClr val="tx1"/>
+                </a:solidFill>
+                <a:latin typeface="+mn-lt"/>
+                <a:ea typeface="+mn-ea"/>
+                <a:cs typeface="+mn-cs"/>
+              </a:defRPr>
+            </a:lvl8pPr>
+            <a:lvl9pPr marL="4783135" indent="-281361" algn="l" defTabSz="1125444" rtl="0" eaLnBrk="1" latinLnBrk="0" hangingPunct="1">
+              <a:spcBef>
+                <a:spcPct val="20000"/>
+              </a:spcBef>
+              <a:buClr>
+                <a:schemeClr val="accent1"/>
+              </a:buClr>
+              <a:buFont typeface="Arial" pitchFamily="34" charset="0"/>
+              <a:buChar char="•"/>
+              <a:defRPr sz="1477" kern="1200">
+                <a:solidFill>
+                  <a:schemeClr val="tx1"/>
+                </a:solidFill>
+                <a:latin typeface="+mn-lt"/>
+                <a:ea typeface="+mn-ea"/>
+                <a:cs typeface="+mn-cs"/>
+              </a:defRPr>
+            </a:lvl9pPr>
+          </a:lstStyle>
+          <a:p>
+            <a:r>
+              <a:rPr lang="de-DE" sz="1800" dirty="0"/>
+              <a:t>Programm zur Aufnahme von Synthetischen (</a:t>
+            </a:r>
+            <a:r>
+              <a:rPr lang="de-DE" sz="1800" dirty="0" err="1"/>
+              <a:t>text</a:t>
+            </a:r>
+            <a:r>
+              <a:rPr lang="de-DE" sz="1800" dirty="0"/>
+              <a:t> </a:t>
+            </a:r>
+            <a:r>
+              <a:rPr lang="de-DE" sz="1800" dirty="0" err="1"/>
+              <a:t>to</a:t>
+            </a:r>
+            <a:r>
+              <a:rPr lang="de-DE" sz="1800" dirty="0"/>
+              <a:t> </a:t>
+            </a:r>
+            <a:r>
+              <a:rPr lang="de-DE" sz="1800" dirty="0" err="1"/>
+              <a:t>speech</a:t>
+            </a:r>
+            <a:r>
+              <a:rPr lang="de-DE" sz="1800" dirty="0"/>
+              <a:t>) Stimmen erstellt</a:t>
+            </a:r>
+          </a:p>
+          <a:p>
+            <a:pPr lvl="1"/>
+            <a:endParaRPr lang="de-DE" sz="1800" dirty="0"/>
+          </a:p>
+          <a:p>
+            <a:pPr lvl="1"/>
+            <a:r>
+              <a:rPr lang="de-DE" sz="1800" dirty="0"/>
+              <a:t>10 Englische </a:t>
+            </a:r>
+            <a:r>
+              <a:rPr lang="de-DE" sz="1800" dirty="0" err="1"/>
+              <a:t>Aktzente</a:t>
+            </a:r>
+            <a:endParaRPr lang="de-DE" sz="1800" dirty="0"/>
+          </a:p>
+          <a:p>
+            <a:pPr lvl="1"/>
+            <a:endParaRPr lang="de-DE" sz="1800" dirty="0"/>
+          </a:p>
+          <a:p>
+            <a:pPr lvl="1"/>
+            <a:r>
+              <a:rPr lang="de-DE" sz="1800" dirty="0"/>
+              <a:t>Aufnahme von 95 WAV Dateien</a:t>
+            </a:r>
+          </a:p>
+          <a:p>
+            <a:pPr lvl="1"/>
+            <a:endParaRPr lang="de-DE" sz="1800" dirty="0"/>
+          </a:p>
+          <a:p>
+            <a:pPr lvl="1"/>
+            <a:r>
+              <a:rPr lang="de-DE" sz="1800" dirty="0"/>
+              <a:t>Insgesamt jetzt 204 WAV Dateien mit ALF-spezifischen Sätzen</a:t>
+            </a:r>
+          </a:p>
+          <a:p>
+            <a:pPr marL="0" indent="0">
+              <a:buFont typeface="Wingdings" pitchFamily="2" charset="2"/>
+              <a:buNone/>
+            </a:pPr>
+            <a:endParaRPr lang="de-DE" sz="1800" dirty="0"/>
+          </a:p>
+          <a:p>
+            <a:pPr marL="0" indent="0">
+              <a:buFont typeface="Wingdings" pitchFamily="2" charset="2"/>
+              <a:buNone/>
+            </a:pPr>
+            <a:endParaRPr lang="de-DE" sz="1800" dirty="0"/>
+          </a:p>
+          <a:p>
+            <a:pPr marL="0" indent="0">
+              <a:buFont typeface="Wingdings" pitchFamily="2" charset="2"/>
+              <a:buNone/>
+            </a:pPr>
+            <a:endParaRPr lang="de-DE" sz="1800" dirty="0"/>
+          </a:p>
+          <a:p>
+            <a:pPr marL="0" indent="0">
+              <a:buFont typeface="Wingdings" pitchFamily="2" charset="2"/>
+              <a:buNone/>
+            </a:pPr>
+            <a:endParaRPr lang="de-DE" sz="1800" dirty="0"/>
+          </a:p>
+          <a:p>
+            <a:pPr marL="358775" lvl="1" indent="0">
+              <a:buFont typeface="Wingdings 3" pitchFamily="18" charset="2"/>
+              <a:buNone/>
+            </a:pPr>
+            <a:endParaRPr lang="de-DE" sz="1800" dirty="0"/>
+          </a:p>
+          <a:p>
+            <a:endParaRPr lang="de-DE" sz="1800" dirty="0"/>
+          </a:p>
+          <a:p>
+            <a:pPr lvl="1"/>
+            <a:endParaRPr lang="de-DE" sz="1800" dirty="0"/>
+          </a:p>
+        </p:txBody>
+      </p:sp>
+    </p:spTree>
+    <p:extLst>
+      <p:ext uri="{BB962C8B-B14F-4D97-AF65-F5344CB8AC3E}">
+        <p14:creationId xmlns:p14="http://schemas.microsoft.com/office/powerpoint/2010/main" val="437410658"/>
+      </p:ext>
+    </p:extLst>
+  </p:cSld>
+  <p:clrMapOvr>
+    <a:masterClrMapping/>
+  </p:clrMapOvr>
+</p:sld>
+</file>
+
+<file path=ppt/slides/slide4.xml><?xml version="1.0" encoding="utf-8"?>
+<p:sld xmlns:a="http://schemas.openxmlformats.org/drawingml/2006/main" xmlns:r="http://schemas.openxmlformats.org/officeDocument/2006/relationships" xmlns:p="http://schemas.openxmlformats.org/presentationml/2006/main">
+  <p:cSld>
+    <p:spTree>
+      <p:nvGrpSpPr>
+        <p:cNvPr id="1" name=""/>
+        <p:cNvGrpSpPr/>
+        <p:nvPr/>
+      </p:nvGrpSpPr>
+      <p:grpSpPr>
+        <a:xfrm>
+          <a:off x="0" y="0"/>
+          <a:ext cx="0" cy="0"/>
+          <a:chOff x="0" y="0"/>
+          <a:chExt cx="0" cy="0"/>
+        </a:xfrm>
+      </p:grpSpPr>
+      <p:sp>
+        <p:nvSpPr>
+          <p:cNvPr id="4" name="Inhaltsplatzhalter 3"/>
+          <p:cNvSpPr>
+            <a:spLocks noGrp="1"/>
+          </p:cNvSpPr>
+          <p:nvPr>
+            <p:ph sz="quarter" idx="13"/>
+          </p:nvPr>
+        </p:nvSpPr>
+        <p:spPr>
+          <a:xfrm>
+            <a:off x="360000" y="1051512"/>
+            <a:ext cx="11469600" cy="5473019"/>
+          </a:xfrm>
+        </p:spPr>
+        <p:txBody>
+          <a:bodyPr/>
+          <a:lstStyle/>
+          <a:p>
+            <a:pPr marL="0" indent="0">
+              <a:buNone/>
+            </a:pPr>
+            <a:endParaRPr lang="de-DE" dirty="0"/>
+          </a:p>
+          <a:p>
+            <a:pPr marL="0" indent="0">
+              <a:buNone/>
+            </a:pPr>
+            <a:r>
+              <a:rPr lang="de-DE" dirty="0"/>
+              <a:t>	</a:t>
+            </a:r>
+          </a:p>
+          <a:p>
+            <a:pPr marL="0" indent="0">
+              <a:buNone/>
+            </a:pPr>
+            <a:endParaRPr lang="de-DE" dirty="0"/>
+          </a:p>
+          <a:p>
+            <a:pPr marL="0" indent="0">
+              <a:buNone/>
+            </a:pPr>
+            <a:endParaRPr lang="de-DE" dirty="0"/>
+          </a:p>
+          <a:p>
+            <a:pPr marL="0" indent="0">
+              <a:buNone/>
+            </a:pPr>
+            <a:endParaRPr lang="de-DE" dirty="0"/>
+          </a:p>
+          <a:p>
+            <a:pPr marL="0" indent="0">
+              <a:buNone/>
+            </a:pPr>
+            <a:endParaRPr lang="de-DE" dirty="0"/>
+          </a:p>
+          <a:p>
+            <a:pPr marL="0" indent="0">
+              <a:buNone/>
+            </a:pPr>
+            <a:endParaRPr lang="de-DE" dirty="0"/>
+          </a:p>
+          <a:p>
+            <a:pPr lvl="1"/>
+            <a:endParaRPr lang="de-DE" dirty="0"/>
+          </a:p>
+          <a:p>
+            <a:pPr lvl="1"/>
+            <a:endParaRPr lang="de-DE" dirty="0"/>
+          </a:p>
+        </p:txBody>
+      </p:sp>
+      <p:sp>
+        <p:nvSpPr>
+          <p:cNvPr id="2" name="Titel 1"/>
+          <p:cNvSpPr>
+            <a:spLocks noGrp="1"/>
+          </p:cNvSpPr>
+          <p:nvPr>
+            <p:ph type="title"/>
+          </p:nvPr>
+        </p:nvSpPr>
+        <p:spPr/>
+        <p:txBody>
+          <a:bodyPr/>
+          <a:lstStyle/>
+          <a:p>
+            <a:r>
+              <a:rPr lang="de-DE" dirty="0"/>
+              <a:t>Erste Auswertung der WAV Dateien</a:t>
+            </a:r>
+          </a:p>
+        </p:txBody>
+      </p:sp>
+      <p:sp>
+        <p:nvSpPr>
+          <p:cNvPr id="6" name="Fußzeilenplatzhalter 5"/>
+          <p:cNvSpPr>
+            <a:spLocks noGrp="1"/>
+          </p:cNvSpPr>
+          <p:nvPr>
+            <p:ph type="ftr" sz="quarter" idx="3"/>
+          </p:nvPr>
+        </p:nvSpPr>
+        <p:spPr/>
+        <p:txBody>
+          <a:bodyPr/>
+          <a:lstStyle/>
+          <a:p>
+            <a:r>
+              <a:rPr lang="de-DE" dirty="0"/>
+              <a:t>Statusupdate Masterarbeit</a:t>
+            </a:r>
+          </a:p>
+        </p:txBody>
+      </p:sp>
+      <p:sp>
+        <p:nvSpPr>
+          <p:cNvPr id="7" name="Foliennummernplatzhalter 6"/>
+          <p:cNvSpPr>
+            <a:spLocks noGrp="1"/>
+          </p:cNvSpPr>
+          <p:nvPr>
+            <p:ph type="sldNum" sz="quarter" idx="4"/>
+          </p:nvPr>
+        </p:nvSpPr>
+        <p:spPr/>
+        <p:txBody>
+          <a:bodyPr/>
+          <a:lstStyle/>
+          <a:p>
+            <a:fld id="{369A084B-84B6-4F15-B0F5-CCDC4176846B}" type="slidenum">
+              <a:rPr lang="de-DE" smtClean="0"/>
+              <a:pPr/>
+              <a:t>4</a:t>
+            </a:fld>
+            <a:endParaRPr lang="de-DE" dirty="0"/>
+          </a:p>
+        </p:txBody>
+      </p:sp>
+      <p:sp>
+        <p:nvSpPr>
+          <p:cNvPr id="9" name="Datumsplatzhalter 8"/>
+          <p:cNvSpPr>
+            <a:spLocks noGrp="1"/>
+          </p:cNvSpPr>
+          <p:nvPr>
+            <p:ph type="dt" sz="half" idx="2"/>
+          </p:nvPr>
+        </p:nvSpPr>
+        <p:spPr/>
+        <p:txBody>
+          <a:bodyPr/>
+          <a:lstStyle/>
+          <a:p>
+            <a:r>
+              <a:rPr lang="de-DE"/>
+              <a:t>10.2019</a:t>
+            </a:r>
+            <a:endParaRPr lang="de-DE" dirty="0"/>
+          </a:p>
+        </p:txBody>
+      </p:sp>
+      <p:sp>
+        <p:nvSpPr>
+          <p:cNvPr id="30" name="Inhaltsplatzhalter 3">
+            <a:extLst>
+              <a:ext uri="{FF2B5EF4-FFF2-40B4-BE49-F238E27FC236}">
+                <a16:creationId xmlns:a16="http://schemas.microsoft.com/office/drawing/2014/main" id="{BDE1F74B-F5E3-A54E-AF42-508BF4648D83}"/>
+              </a:ext>
+            </a:extLst>
+          </p:cNvPr>
+          <p:cNvSpPr txBox="1">
+            <a:spLocks/>
+          </p:cNvSpPr>
+          <p:nvPr/>
+        </p:nvSpPr>
+        <p:spPr>
+          <a:xfrm>
+            <a:off x="360000" y="1051511"/>
+            <a:ext cx="11469600" cy="5473019"/>
+          </a:xfrm>
+          <a:prstGeom prst="rect">
+            <a:avLst/>
+          </a:prstGeom>
+        </p:spPr>
+        <p:txBody>
+          <a:bodyPr vert="horz" lIns="0" tIns="0" rIns="0" bIns="0" rtlCol="0">
+            <a:noAutofit/>
+          </a:bodyPr>
+          <a:lstStyle>
+            <a:lvl1pPr marL="358775" indent="-358775" algn="l" rtl="0" eaLnBrk="1" fontAlgn="base" hangingPunct="1">
+              <a:lnSpc>
+                <a:spcPct val="100000"/>
+              </a:lnSpc>
+              <a:spcBef>
+                <a:spcPts val="600"/>
+              </a:spcBef>
+              <a:spcAft>
+                <a:spcPts val="200"/>
+              </a:spcAft>
+              <a:buClr>
+                <a:schemeClr val="tx2"/>
+              </a:buClr>
+              <a:buFont typeface="Wingdings" pitchFamily="2" charset="2"/>
+              <a:buChar char=""/>
+              <a:defRPr b="1" kern="1200">
+                <a:solidFill>
+                  <a:schemeClr val="tx1"/>
+                </a:solidFill>
+                <a:latin typeface="+mn-lt"/>
+                <a:ea typeface="+mn-ea"/>
+                <a:cs typeface="+mn-cs"/>
+              </a:defRPr>
+            </a:lvl1pPr>
+            <a:lvl2pPr marL="715963" indent="-357188" algn="l" rtl="0" eaLnBrk="1" fontAlgn="base" hangingPunct="1">
+              <a:lnSpc>
+                <a:spcPct val="100000"/>
+              </a:lnSpc>
+              <a:spcBef>
+                <a:spcPts val="600"/>
+              </a:spcBef>
+              <a:spcAft>
+                <a:spcPts val="200"/>
+              </a:spcAft>
+              <a:buClr>
+                <a:schemeClr val="tx2"/>
+              </a:buClr>
+              <a:buFont typeface="Wingdings 3" pitchFamily="18" charset="2"/>
+              <a:buChar char=""/>
+              <a:defRPr kern="1200">
+                <a:solidFill>
+                  <a:schemeClr val="tx1"/>
+                </a:solidFill>
+                <a:latin typeface="+mn-lt"/>
+                <a:ea typeface="+mn-ea"/>
+                <a:cs typeface="+mn-cs"/>
+              </a:defRPr>
+            </a:lvl2pPr>
+            <a:lvl3pPr marL="1074738" indent="-358775" algn="l" rtl="0" eaLnBrk="1" fontAlgn="base" hangingPunct="1">
+              <a:lnSpc>
+                <a:spcPct val="100000"/>
+              </a:lnSpc>
+              <a:spcBef>
+                <a:spcPts val="600"/>
+              </a:spcBef>
+              <a:spcAft>
+                <a:spcPts val="200"/>
+              </a:spcAft>
+              <a:buClr>
+                <a:schemeClr val="tx2"/>
+              </a:buClr>
+              <a:buFont typeface="Wingdings" pitchFamily="2" charset="2"/>
+              <a:buChar char="§"/>
+              <a:tabLst>
+                <a:tab pos="1522413" algn="l"/>
+              </a:tabLst>
+              <a:defRPr sz="1600" kern="1200">
+                <a:solidFill>
+                  <a:schemeClr val="tx1"/>
+                </a:solidFill>
+                <a:latin typeface="+mn-lt"/>
+                <a:ea typeface="+mn-ea"/>
+                <a:cs typeface="+mn-cs"/>
+              </a:defRPr>
+            </a:lvl3pPr>
+            <a:lvl4pPr marL="1431925" indent="-357188" algn="l" rtl="0" eaLnBrk="1" fontAlgn="base" hangingPunct="1">
+              <a:lnSpc>
+                <a:spcPct val="100000"/>
+              </a:lnSpc>
+              <a:spcBef>
+                <a:spcPts val="600"/>
+              </a:spcBef>
+              <a:spcAft>
+                <a:spcPts val="200"/>
+              </a:spcAft>
+              <a:buClr>
+                <a:schemeClr val="tx2"/>
+              </a:buClr>
+              <a:buFont typeface="Arial" charset="0"/>
+              <a:buChar char="–"/>
+              <a:defRPr sz="1400" kern="1200">
+                <a:solidFill>
+                  <a:schemeClr val="tx1"/>
+                </a:solidFill>
+                <a:latin typeface="+mn-lt"/>
+                <a:ea typeface="+mn-ea"/>
+                <a:cs typeface="+mn-cs"/>
+              </a:defRPr>
+            </a:lvl4pPr>
+            <a:lvl5pPr marL="1790700" indent="-358775" algn="l" rtl="0" eaLnBrk="1" fontAlgn="base" hangingPunct="1">
+              <a:lnSpc>
+                <a:spcPct val="100000"/>
+              </a:lnSpc>
+              <a:spcBef>
+                <a:spcPts val="600"/>
+              </a:spcBef>
+              <a:spcAft>
+                <a:spcPts val="200"/>
+              </a:spcAft>
+              <a:buClr>
+                <a:schemeClr val="tx2"/>
+              </a:buClr>
+              <a:buFont typeface="Arial" charset="0"/>
+              <a:buChar char="•"/>
+              <a:defRPr sz="1200" kern="1200">
+                <a:solidFill>
+                  <a:schemeClr val="tx1"/>
+                </a:solidFill>
+                <a:latin typeface="+mn-lt"/>
+                <a:ea typeface="+mn-ea"/>
+                <a:cs typeface="+mn-cs"/>
+              </a:defRPr>
+            </a:lvl5pPr>
+            <a:lvl6pPr marL="3094970" indent="-281361" algn="l" defTabSz="1125444" rtl="0" eaLnBrk="1" latinLnBrk="0" hangingPunct="1">
+              <a:lnSpc>
+                <a:spcPct val="110000"/>
+              </a:lnSpc>
+              <a:spcBef>
+                <a:spcPts val="862"/>
+              </a:spcBef>
+              <a:buClr>
+                <a:schemeClr val="tx2"/>
+              </a:buClr>
+              <a:buFont typeface="Arial" pitchFamily="34" charset="0"/>
+              <a:buChar char="•"/>
+              <a:defRPr sz="1477" kern="1200">
+                <a:solidFill>
+                  <a:schemeClr val="tx1"/>
+                </a:solidFill>
+                <a:latin typeface="+mn-lt"/>
+                <a:ea typeface="+mn-ea"/>
+                <a:cs typeface="+mn-cs"/>
+              </a:defRPr>
+            </a:lvl6pPr>
+            <a:lvl7pPr marL="3657691" indent="-281361" algn="l" defTabSz="1125444" rtl="0" eaLnBrk="1" latinLnBrk="0" hangingPunct="1">
+              <a:spcBef>
+                <a:spcPct val="20000"/>
+              </a:spcBef>
+              <a:buClr>
+                <a:schemeClr val="accent1"/>
+              </a:buClr>
+              <a:buFont typeface="Arial" pitchFamily="34" charset="0"/>
+              <a:buChar char="•"/>
+              <a:defRPr sz="1477" kern="1200">
+                <a:solidFill>
+                  <a:schemeClr val="tx1"/>
+                </a:solidFill>
+                <a:latin typeface="+mn-lt"/>
+                <a:ea typeface="+mn-ea"/>
+                <a:cs typeface="+mn-cs"/>
+              </a:defRPr>
+            </a:lvl7pPr>
+            <a:lvl8pPr marL="4220413" indent="-281361" algn="l" defTabSz="1125444" rtl="0" eaLnBrk="1" latinLnBrk="0" hangingPunct="1">
+              <a:spcBef>
+                <a:spcPct val="20000"/>
+              </a:spcBef>
+              <a:buClr>
+                <a:schemeClr val="accent1"/>
+              </a:buClr>
+              <a:buFont typeface="Arial" pitchFamily="34" charset="0"/>
+              <a:buChar char="•"/>
+              <a:defRPr sz="1477" kern="1200">
+                <a:solidFill>
+                  <a:schemeClr val="tx1"/>
+                </a:solidFill>
+                <a:latin typeface="+mn-lt"/>
+                <a:ea typeface="+mn-ea"/>
+                <a:cs typeface="+mn-cs"/>
+              </a:defRPr>
+            </a:lvl8pPr>
+            <a:lvl9pPr marL="4783135" indent="-281361" algn="l" defTabSz="1125444" rtl="0" eaLnBrk="1" latinLnBrk="0" hangingPunct="1">
+              <a:spcBef>
+                <a:spcPct val="20000"/>
+              </a:spcBef>
+              <a:buClr>
+                <a:schemeClr val="accent1"/>
+              </a:buClr>
+              <a:buFont typeface="Arial" pitchFamily="34" charset="0"/>
+              <a:buChar char="•"/>
+              <a:defRPr sz="1477" kern="1200">
+                <a:solidFill>
+                  <a:schemeClr val="tx1"/>
+                </a:solidFill>
+                <a:latin typeface="+mn-lt"/>
+                <a:ea typeface="+mn-ea"/>
+                <a:cs typeface="+mn-cs"/>
+              </a:defRPr>
+            </a:lvl9pPr>
+          </a:lstStyle>
+          <a:p>
+            <a:r>
+              <a:rPr lang="de-DE" sz="1800" dirty="0"/>
+              <a:t>Datensatz I mit </a:t>
+            </a:r>
+            <a:r>
+              <a:rPr lang="de-DE" sz="1800" dirty="0" err="1"/>
+              <a:t>DeepSpeech</a:t>
+            </a:r>
+            <a:r>
+              <a:rPr lang="de-DE" sz="1800" dirty="0"/>
+              <a:t>:</a:t>
+            </a:r>
+          </a:p>
+          <a:p>
+            <a:pPr lvl="1"/>
+            <a:r>
+              <a:rPr lang="de-DE" sz="1800" dirty="0"/>
+              <a:t>Gesamt = 109</a:t>
+            </a:r>
+          </a:p>
+          <a:p>
+            <a:pPr lvl="1"/>
+            <a:r>
+              <a:rPr lang="de-DE" sz="1800" dirty="0"/>
+              <a:t>Richtig klassifiziert = 98 </a:t>
+            </a:r>
+            <a:r>
+              <a:rPr lang="de-DE" sz="1800" dirty="0">
+                <a:sym typeface="Wingdings" pitchFamily="2" charset="2"/>
+              </a:rPr>
+              <a:t> ca. 89% richtig Klassifiziert</a:t>
+            </a:r>
+          </a:p>
+          <a:p>
+            <a:pPr lvl="1"/>
+            <a:r>
+              <a:rPr lang="de-DE" sz="1800" dirty="0">
+                <a:sym typeface="Wingdings" pitchFamily="2" charset="2"/>
+              </a:rPr>
+              <a:t>WER von 44%</a:t>
+            </a:r>
+          </a:p>
+          <a:p>
+            <a:pPr lvl="1"/>
+            <a:endParaRPr lang="de-DE" sz="1800" dirty="0">
+              <a:sym typeface="Wingdings" pitchFamily="2" charset="2"/>
+            </a:endParaRPr>
+          </a:p>
+          <a:p>
+            <a:r>
+              <a:rPr lang="de-DE" sz="1800" dirty="0">
+                <a:sym typeface="Wingdings" pitchFamily="2" charset="2"/>
+              </a:rPr>
+              <a:t>Datensatz I mit IBM-Watson:</a:t>
+            </a:r>
+          </a:p>
+          <a:p>
+            <a:pPr lvl="1"/>
+            <a:r>
+              <a:rPr lang="de-DE" sz="1800" dirty="0"/>
+              <a:t>Gesamt = 109</a:t>
+            </a:r>
+          </a:p>
+          <a:p>
+            <a:pPr lvl="1"/>
+            <a:r>
+              <a:rPr lang="de-DE" sz="1800" dirty="0"/>
+              <a:t>Richtig klassifiziert = 101 </a:t>
+            </a:r>
+            <a:r>
+              <a:rPr lang="de-DE" sz="1800" dirty="0">
+                <a:sym typeface="Wingdings" pitchFamily="2" charset="2"/>
+              </a:rPr>
+              <a:t> ca. 92% richtige Klassifiziert</a:t>
+            </a:r>
+          </a:p>
+          <a:p>
+            <a:pPr lvl="1"/>
+            <a:r>
+              <a:rPr lang="de-DE" sz="1800" dirty="0">
+                <a:sym typeface="Wingdings" pitchFamily="2" charset="2"/>
+              </a:rPr>
+              <a:t>WER von 30%</a:t>
+            </a:r>
+            <a:endParaRPr lang="de-DE" sz="1800" dirty="0"/>
+          </a:p>
+          <a:p>
+            <a:endParaRPr lang="de-DE" sz="1800" dirty="0"/>
+          </a:p>
+          <a:p>
+            <a:pPr lvl="1"/>
+            <a:endParaRPr lang="de-DE" sz="1800" dirty="0"/>
+          </a:p>
+          <a:p>
+            <a:pPr lvl="1"/>
+            <a:endParaRPr lang="de-DE" sz="1800" dirty="0"/>
+          </a:p>
+          <a:p>
+            <a:pPr marL="0" indent="0">
+              <a:buFont typeface="Wingdings" pitchFamily="2" charset="2"/>
+              <a:buNone/>
+            </a:pPr>
+            <a:endParaRPr lang="de-DE" sz="1800" dirty="0"/>
+          </a:p>
+          <a:p>
+            <a:pPr marL="0" indent="0">
+              <a:buFont typeface="Wingdings" pitchFamily="2" charset="2"/>
+              <a:buNone/>
+            </a:pPr>
+            <a:endParaRPr lang="de-DE" sz="1800" dirty="0"/>
+          </a:p>
+          <a:p>
+            <a:pPr marL="0" indent="0">
+              <a:buFont typeface="Wingdings" pitchFamily="2" charset="2"/>
+              <a:buNone/>
+            </a:pPr>
+            <a:endParaRPr lang="de-DE" sz="1800" dirty="0"/>
+          </a:p>
+          <a:p>
+            <a:pPr marL="358775" lvl="1" indent="0">
+              <a:buFont typeface="Wingdings 3" pitchFamily="18" charset="2"/>
+              <a:buNone/>
+            </a:pPr>
+            <a:endParaRPr lang="de-DE" sz="1800" dirty="0"/>
+          </a:p>
+          <a:p>
+            <a:endParaRPr lang="de-DE" sz="1800" dirty="0"/>
+          </a:p>
+          <a:p>
+            <a:pPr lvl="1"/>
+            <a:endParaRPr lang="de-DE" sz="1800" dirty="0"/>
+          </a:p>
+        </p:txBody>
+      </p:sp>
+    </p:spTree>
+    <p:extLst>
+      <p:ext uri="{BB962C8B-B14F-4D97-AF65-F5344CB8AC3E}">
+        <p14:creationId xmlns:p14="http://schemas.microsoft.com/office/powerpoint/2010/main" val="1155233702"/>
       </p:ext>
     </p:extLst>
   </p:cSld>
